--- a/scripts/week3/Cab Investment Analysis.pptx
+++ b/scripts/week3/Cab Investment Analysis.pptx
@@ -3659,7 +3659,7 @@
           <a:p>
             <a:fld id="{ED291B17-9318-49DB-B28B-6E5994AE9581}" type="datetime1">
               <a:rPr lang="en-US" smtClean="0"/>
-              <a:t>5/21/23</a:t>
+              <a:t>5/24/23</a:t>
             </a:fld>
             <a:endParaRPr lang="en-US" dirty="0"/>
           </a:p>
@@ -3862,7 +3862,7 @@
           <a:p>
             <a:fld id="{2CED4963-E985-44C4-B8C4-FDD613B7C2F8}" type="datetime1">
               <a:rPr lang="en-US" smtClean="0"/>
-              <a:t>5/21/23</a:t>
+              <a:t>5/24/23</a:t>
             </a:fld>
             <a:endParaRPr lang="en-US" dirty="0"/>
           </a:p>
@@ -4224,7 +4224,7 @@
           <a:p>
             <a:fld id="{ED291B17-9318-49DB-B28B-6E5994AE9581}" type="datetime1">
               <a:rPr lang="en-US" smtClean="0"/>
-              <a:t>5/21/23</a:t>
+              <a:t>5/24/23</a:t>
             </a:fld>
             <a:endParaRPr lang="en-US" dirty="0"/>
           </a:p>
@@ -4422,7 +4422,7 @@
           <a:p>
             <a:fld id="{78DD82B9-B8EE-4375-B6FF-88FA6ABB15D9}" type="datetime1">
               <a:rPr lang="en-US" smtClean="0"/>
-              <a:t>5/21/23</a:t>
+              <a:t>5/24/23</a:t>
             </a:fld>
             <a:endParaRPr lang="en-US" dirty="0"/>
           </a:p>
@@ -4734,7 +4734,7 @@
           <a:p>
             <a:fld id="{B2497495-0637-405E-AE64-5CC7506D51F5}" type="datetime1">
               <a:rPr lang="en-US" smtClean="0"/>
-              <a:t>5/21/23</a:t>
+              <a:t>5/24/23</a:t>
             </a:fld>
             <a:endParaRPr lang="en-US" dirty="0"/>
           </a:p>
@@ -4987,7 +4987,7 @@
           <a:p>
             <a:fld id="{7BFFD690-9426-415D-8B65-26881E07B2D4}" type="datetime1">
               <a:rPr lang="en-US" smtClean="0"/>
-              <a:t>5/21/23</a:t>
+              <a:t>5/24/23</a:t>
             </a:fld>
             <a:endParaRPr lang="en-US" dirty="0"/>
           </a:p>
@@ -5409,7 +5409,7 @@
           <a:p>
             <a:fld id="{04C4989A-474C-40DE-95B9-011C28B71673}" type="datetime1">
               <a:rPr lang="en-US" smtClean="0"/>
-              <a:t>5/21/23</a:t>
+              <a:t>5/24/23</a:t>
             </a:fld>
             <a:endParaRPr lang="en-US" dirty="0"/>
           </a:p>
@@ -5532,7 +5532,7 @@
           <a:p>
             <a:fld id="{5DB4ED54-5B5E-4A04-93D3-5772E3CE3818}" type="datetime1">
               <a:rPr lang="en-US" smtClean="0"/>
-              <a:t>5/21/23</a:t>
+              <a:t>5/24/23</a:t>
             </a:fld>
             <a:endParaRPr lang="en-US" dirty="0"/>
           </a:p>
@@ -5627,7 +5627,7 @@
           <a:p>
             <a:fld id="{4EDE50D6-574B-40AF-946F-D52A04ADE379}" type="datetime1">
               <a:rPr lang="en-US" smtClean="0"/>
-              <a:t>5/21/23</a:t>
+              <a:t>5/24/23</a:t>
             </a:fld>
             <a:endParaRPr lang="en-US" dirty="0"/>
           </a:p>
@@ -6004,7 +6004,7 @@
           <a:p>
             <a:fld id="{D82884F1-FFEA-405F-9602-3DCA865EDA4E}" type="datetime1">
               <a:rPr lang="en-US" smtClean="0"/>
-              <a:t>5/21/23</a:t>
+              <a:t>5/24/23</a:t>
             </a:fld>
             <a:endParaRPr lang="en-US" dirty="0"/>
           </a:p>
@@ -6297,7 +6297,7 @@
           <a:p>
             <a:fld id="{7E18DB4A-8810-4A10-AD5C-D5E2C667F5B3}" type="datetime1">
               <a:rPr lang="en-US" smtClean="0"/>
-              <a:t>5/21/23</a:t>
+              <a:t>5/24/23</a:t>
             </a:fld>
             <a:endParaRPr lang="en-US" dirty="0"/>
           </a:p>
@@ -6512,7 +6512,7 @@
           <a:p>
             <a:fld id="{ED291B17-9318-49DB-B28B-6E5994AE9581}" type="datetime1">
               <a:rPr lang="en-US" smtClean="0"/>
-              <a:t>5/21/23</a:t>
+              <a:t>5/24/23</a:t>
             </a:fld>
             <a:endParaRPr lang="en-US" dirty="0"/>
           </a:p>
@@ -7336,7 +7336,7 @@
           <a:lstStyle/>
           <a:p>
             <a:r>
-              <a:rPr lang="en-US" sz="6000">
+              <a:rPr lang="en-US" sz="6000" dirty="0">
                 <a:solidFill>
                   <a:schemeClr val="tx1"/>
                 </a:solidFill>
@@ -7382,7 +7382,7 @@
               </a:lnSpc>
             </a:pPr>
             <a:r>
-              <a:rPr lang="en-US" sz="1500">
+              <a:rPr lang="en-US" sz="1500" dirty="0">
                 <a:solidFill>
                   <a:schemeClr val="tx1">
                     <a:alpha val="60000"/>
@@ -7394,7 +7394,7 @@
               <a:t>Virtual Internship</a:t>
             </a:r>
             <a:br>
-              <a:rPr lang="en-US" sz="1500">
+              <a:rPr lang="en-US" sz="1500" dirty="0">
                 <a:solidFill>
                   <a:schemeClr val="tx1">
                     <a:alpha val="60000"/>
@@ -7405,7 +7405,7 @@
               </a:rPr>
             </a:br>
             <a:r>
-              <a:rPr lang="en-US" sz="1500">
+              <a:rPr lang="en-US" sz="1500" dirty="0">
                 <a:solidFill>
                   <a:schemeClr val="tx1">
                     <a:alpha val="60000"/>
@@ -7424,7 +7424,7 @@
               </a:lnSpc>
             </a:pPr>
             <a:r>
-              <a:rPr lang="en-US" sz="1500">
+              <a:rPr lang="en-US" sz="1500" dirty="0">
                 <a:solidFill>
                   <a:schemeClr val="tx1">
                     <a:alpha val="60000"/>
@@ -7435,7 +7435,7 @@
               </a:rPr>
               <a:t>Ayushi Malaviya</a:t>
             </a:r>
-            <a:endParaRPr lang="en-US" sz="1500">
+            <a:endParaRPr lang="en-US" sz="1500" dirty="0">
               <a:solidFill>
                 <a:schemeClr val="tx1">
                   <a:alpha val="60000"/>
@@ -9951,7 +9951,7 @@
                 <a:latin typeface="Calibri" panose="020F0502020204030204" pitchFamily="34" charset="0"/>
                 <a:cs typeface="Calibri" panose="020F0502020204030204" pitchFamily="34" charset="0"/>
               </a:rPr>
-              <a:t>: Both the companies are facing loss in the profit and no. of ride. Yellow cab’s forecasted profit loss is around 1.73% while Pink cab’s loss in 2.21%. Pink cab is facing more loss even when its forecasted no of ride loss is lesser than Yellow cab.</a:t>
+              <a:t>: Both the companies are facing loss in the while gaining profit and increasing number of rides. Yellow cab’s forecasted profit loss is around 1.73% while Pink cab’s loss in 2.21%. Pink cab is facing more loss when its forecasted no of ride loss is lesser than Yellow cab.</a:t>
             </a:r>
           </a:p>
           <a:p>
@@ -10749,7 +10749,7 @@
                 <a:latin typeface="Calibri" panose="020F0502020204030204" pitchFamily="34" charset="0"/>
                 <a:cs typeface="Calibri" panose="020F0502020204030204" pitchFamily="34" charset="0"/>
               </a:rPr>
-              <a:t>XYZ is a private equity firm in US. Due to remarkable growth in the Cab Industry in last few years and multiple key players in the market, it is planning for an investment in Cab industry.</a:t>
+              <a:t>Pharma is a private equity firm in US. Due to remarkable growth in the Cab Industry in last few years and multiple key players in the market, it is planning for an investment in Cab industry.</a:t>
             </a:r>
           </a:p>
           <a:p>
@@ -10782,7 +10782,7 @@
                 <a:latin typeface="Calibri" panose="020F0502020204030204" pitchFamily="34" charset="0"/>
                 <a:cs typeface="Calibri" panose="020F0502020204030204" pitchFamily="34" charset="0"/>
               </a:rPr>
-              <a:t>The goal is to offer practical recommendations to aid XYZ company in selecting the most suitable firm to invest in.</a:t>
+              <a:t>The goal is to offer practical recommendations to aid Pharma company in selecting the most suitable firm to invest in.</a:t>
             </a:r>
           </a:p>
           <a:p>
